--- a/1821005_中間発表_comment.pptx
+++ b/1821005_中間発表_comment.pptx
@@ -234,7 +234,7 @@
           <a:p>
             <a:fld id="{27571B5F-C8EC-4379-AD76-80FD414F3861}" type="datetimeFigureOut">
               <a:rPr kumimoji="1" lang="ja-JP" altLang="en-US" smtClean="0"/>
-              <a:t>2021/7/27</a:t>
+              <a:t>2021/7/30</a:t>
             </a:fld>
             <a:endParaRPr kumimoji="1" lang="ja-JP" altLang="en-US"/>
           </a:p>
@@ -1160,7 +1160,7 @@
           <a:p>
             <a:fld id="{ED609840-96BF-4512-A2C1-C87E0BBF3D2F}" type="datetime1">
               <a:rPr kumimoji="1" lang="ja-JP" altLang="en-US" smtClean="0"/>
-              <a:t>2021/7/27</a:t>
+              <a:t>2021/7/30</a:t>
             </a:fld>
             <a:endParaRPr kumimoji="1" lang="ja-JP" altLang="en-US"/>
           </a:p>
@@ -1363,7 +1363,7 @@
           <a:p>
             <a:fld id="{F97B6116-28DE-44C1-8891-65688903BD50}" type="datetime1">
               <a:rPr kumimoji="1" lang="ja-JP" altLang="en-US" smtClean="0"/>
-              <a:t>2021/7/27</a:t>
+              <a:t>2021/7/30</a:t>
             </a:fld>
             <a:endParaRPr kumimoji="1" lang="ja-JP" altLang="en-US"/>
           </a:p>
@@ -1576,7 +1576,7 @@
           <a:p>
             <a:fld id="{EDE04BF4-1FC0-40EE-A15F-5986BB2387E9}" type="datetime1">
               <a:rPr kumimoji="1" lang="ja-JP" altLang="en-US" smtClean="0"/>
-              <a:t>2021/7/27</a:t>
+              <a:t>2021/7/30</a:t>
             </a:fld>
             <a:endParaRPr kumimoji="1" lang="ja-JP" altLang="en-US"/>
           </a:p>
@@ -1779,7 +1779,7 @@
           <a:p>
             <a:fld id="{AFE4124D-C094-469A-99BC-7EA66CDB293F}" type="datetime1">
               <a:rPr kumimoji="1" lang="ja-JP" altLang="en-US" smtClean="0"/>
-              <a:t>2021/7/27</a:t>
+              <a:t>2021/7/30</a:t>
             </a:fld>
             <a:endParaRPr kumimoji="1" lang="ja-JP" altLang="en-US"/>
           </a:p>
@@ -2028,7 +2028,7 @@
           <a:p>
             <a:fld id="{F808FAA8-DC38-46BC-9A48-0414366DDF43}" type="datetime1">
               <a:rPr kumimoji="1" lang="ja-JP" altLang="en-US" smtClean="0"/>
-              <a:t>2021/7/27</a:t>
+              <a:t>2021/7/30</a:t>
             </a:fld>
             <a:endParaRPr kumimoji="1" lang="ja-JP" altLang="en-US"/>
           </a:p>
@@ -2325,7 +2325,7 @@
           <a:p>
             <a:fld id="{43B61DD3-8484-4FD8-9D55-71FA047E405C}" type="datetime1">
               <a:rPr kumimoji="1" lang="ja-JP" altLang="en-US" smtClean="0"/>
-              <a:t>2021/7/27</a:t>
+              <a:t>2021/7/30</a:t>
             </a:fld>
             <a:endParaRPr kumimoji="1" lang="ja-JP" altLang="en-US"/>
           </a:p>
@@ -2757,7 +2757,7 @@
           <a:p>
             <a:fld id="{61FE3252-B303-4BFD-B995-E88780D087A2}" type="datetime1">
               <a:rPr kumimoji="1" lang="ja-JP" altLang="en-US" smtClean="0"/>
-              <a:t>2021/7/27</a:t>
+              <a:t>2021/7/30</a:t>
             </a:fld>
             <a:endParaRPr kumimoji="1" lang="ja-JP" altLang="en-US"/>
           </a:p>
@@ -2876,7 +2876,7 @@
           <a:p>
             <a:fld id="{83973884-A525-473B-9B85-E710649C3EE9}" type="datetime1">
               <a:rPr kumimoji="1" lang="ja-JP" altLang="en-US" smtClean="0"/>
-              <a:t>2021/7/27</a:t>
+              <a:t>2021/7/30</a:t>
             </a:fld>
             <a:endParaRPr kumimoji="1" lang="ja-JP" altLang="en-US"/>
           </a:p>
@@ -2972,7 +2972,7 @@
           <a:p>
             <a:fld id="{630B9591-4670-4AF8-B7B7-F5F2443A761A}" type="datetime1">
               <a:rPr kumimoji="1" lang="ja-JP" altLang="en-US" smtClean="0"/>
-              <a:t>2021/7/27</a:t>
+              <a:t>2021/7/30</a:t>
             </a:fld>
             <a:endParaRPr kumimoji="1" lang="ja-JP" altLang="en-US"/>
           </a:p>
@@ -3282,7 +3282,7 @@
           <a:p>
             <a:fld id="{434F6BA0-5DA2-4153-9B76-E2457FA21F47}" type="datetime1">
               <a:rPr kumimoji="1" lang="ja-JP" altLang="en-US" smtClean="0"/>
-              <a:t>2021/7/27</a:t>
+              <a:t>2021/7/30</a:t>
             </a:fld>
             <a:endParaRPr kumimoji="1" lang="ja-JP" altLang="en-US"/>
           </a:p>
@@ -3540,7 +3540,7 @@
           <a:p>
             <a:fld id="{590B58CC-0A81-4826-A84E-1F1030B25368}" type="datetime1">
               <a:rPr kumimoji="1" lang="ja-JP" altLang="en-US" smtClean="0"/>
-              <a:t>2021/7/27</a:t>
+              <a:t>2021/7/30</a:t>
             </a:fld>
             <a:endParaRPr kumimoji="1" lang="ja-JP" altLang="en-US"/>
           </a:p>
@@ -3786,7 +3786,7 @@
           <a:p>
             <a:fld id="{77253A0B-EAD4-46D7-BD2F-C5BFFB89C890}" type="datetime1">
               <a:rPr kumimoji="1" lang="ja-JP" altLang="en-US" smtClean="0"/>
-              <a:t>2021/7/27</a:t>
+              <a:t>2021/7/30</a:t>
             </a:fld>
             <a:endParaRPr kumimoji="1" lang="ja-JP" altLang="en-US"/>
           </a:p>
@@ -4994,12 +4994,6 @@
               </a:rPr>
               <a:t> </a:t>
             </a:r>
-            <a:endParaRPr lang="en-US" altLang="ja-JP" sz="1800" dirty="0">
-              <a:solidFill>
-                <a:srgbClr val="333333"/>
-              </a:solidFill>
-              <a:latin typeface="+mj-ea"/>
-            </a:endParaRPr>
           </a:p>
           <a:p>
             <a:pPr marL="0" indent="0" algn="just">
@@ -5656,11 +5650,7 @@
             </a:r>
             <a:r>
               <a:rPr lang="ja-JP" altLang="en-US" dirty="0" smtClean="0"/>
-              <a:t>行う</a:t>
-            </a:r>
-            <a:r>
-              <a:rPr lang="ja-JP" altLang="en-US" dirty="0" smtClean="0"/>
-              <a:t>．</a:t>
+              <a:t>行う．</a:t>
             </a:r>
             <a:endParaRPr lang="en-US" altLang="ja-JP" dirty="0"/>
           </a:p>
@@ -5735,7 +5725,6 @@
               <a:rPr lang="ja-JP" altLang="en-US" dirty="0"/>
               <a:t>．</a:t>
             </a:r>
-            <a:endParaRPr lang="ja-JP" altLang="en-US" dirty="0"/>
           </a:p>
           <a:p>
             <a:endParaRPr kumimoji="1" lang="ja-JP" altLang="en-US" dirty="0"/>
@@ -6539,8 +6528,8 @@
           </a:p>
         </p:txBody>
       </p:sp>
-      <mc:AlternateContent xmlns:mc="http://schemas.openxmlformats.org/markup-compatibility/2006">
-        <mc:Choice xmlns:a14="http://schemas.microsoft.com/office/drawing/2010/main" Requires="a14">
+      <mc:AlternateContent xmlns:mc="http://schemas.openxmlformats.org/markup-compatibility/2006" xmlns:a14="http://schemas.microsoft.com/office/drawing/2010/main">
+        <mc:Choice Requires="a14">
           <p:sp>
             <p:nvSpPr>
               <p:cNvPr id="3" name="コンテンツ プレースホルダー 2"/>
@@ -6704,7 +6693,7 @@
             </p:txBody>
           </p:sp>
         </mc:Choice>
-        <mc:Fallback>
+        <mc:Fallback xmlns="">
           <p:sp>
             <p:nvSpPr>
               <p:cNvPr id="3" name="コンテンツ プレースホルダー 2"/>
